--- a/Documents/ThuctapNodejs2.pptx
+++ b/Documents/ThuctapNodejs2.pptx
@@ -5,7 +5,7 @@
     <p:sldMasterId id="2147483648" r:id="rId1"/>
   </p:sldMasterIdLst>
   <p:notesMasterIdLst>
-    <p:notesMasterId r:id="rId8"/>
+    <p:notesMasterId r:id="rId10"/>
   </p:notesMasterIdLst>
   <p:sldIdLst>
     <p:sldId id="294" r:id="rId2"/>
@@ -13,7 +13,9 @@
     <p:sldId id="340" r:id="rId4"/>
     <p:sldId id="351" r:id="rId5"/>
     <p:sldId id="352" r:id="rId6"/>
-    <p:sldId id="318" r:id="rId7"/>
+    <p:sldId id="353" r:id="rId7"/>
+    <p:sldId id="354" r:id="rId8"/>
+    <p:sldId id="318" r:id="rId9"/>
   </p:sldIdLst>
   <p:sldSz cx="9144000" cy="5143500" type="screen16x9"/>
   <p:notesSz cx="6858000" cy="9144000"/>
@@ -227,7 +229,7 @@
           <a:p>
             <a:fld id="{C81D1D14-BC69-4E81-A241-7829F68D9A94}" type="datetimeFigureOut">
               <a:rPr lang="en-US" smtClean="0"/>
-              <a:t>6/25/18</a:t>
+              <a:t>6/26/18</a:t>
             </a:fld>
             <a:endParaRPr lang="en-US"/>
           </a:p>
@@ -721,7 +723,7 @@
           <a:p>
             <a:fld id="{E306D676-E6CE-49ED-B2E4-C47FD7365D30}" type="datetimeFigureOut">
               <a:rPr lang="en-US" smtClean="0"/>
-              <a:t>6/25/18</a:t>
+              <a:t>6/26/18</a:t>
             </a:fld>
             <a:endParaRPr lang="en-US"/>
           </a:p>
@@ -1022,7 +1024,7 @@
           <a:p>
             <a:fld id="{E306D676-E6CE-49ED-B2E4-C47FD7365D30}" type="datetimeFigureOut">
               <a:rPr lang="en-US" smtClean="0"/>
-              <a:t>6/25/18</a:t>
+              <a:t>6/26/18</a:t>
             </a:fld>
             <a:endParaRPr lang="en-US"/>
           </a:p>
@@ -1302,7 +1304,7 @@
           <a:p>
             <a:fld id="{E306D676-E6CE-49ED-B2E4-C47FD7365D30}" type="datetimeFigureOut">
               <a:rPr lang="en-US" smtClean="0"/>
-              <a:t>6/25/18</a:t>
+              <a:t>6/26/18</a:t>
             </a:fld>
             <a:endParaRPr lang="en-US"/>
           </a:p>
@@ -1496,7 +1498,7 @@
           <a:p>
             <a:fld id="{E306D676-E6CE-49ED-B2E4-C47FD7365D30}" type="datetimeFigureOut">
               <a:rPr lang="en-US" smtClean="0"/>
-              <a:t>6/25/18</a:t>
+              <a:t>6/26/18</a:t>
             </a:fld>
             <a:endParaRPr lang="en-US"/>
           </a:p>
@@ -1700,7 +1702,7 @@
           <a:p>
             <a:fld id="{E306D676-E6CE-49ED-B2E4-C47FD7365D30}" type="datetimeFigureOut">
               <a:rPr lang="en-US" smtClean="0"/>
-              <a:t>6/25/18</a:t>
+              <a:t>6/26/18</a:t>
             </a:fld>
             <a:endParaRPr lang="en-US"/>
           </a:p>
@@ -3481,7 +3483,7 @@
           <a:p>
             <a:fld id="{E306D676-E6CE-49ED-B2E4-C47FD7365D30}" type="datetimeFigureOut">
               <a:rPr lang="en-US" smtClean="0"/>
-              <a:t>6/25/18</a:t>
+              <a:t>6/26/18</a:t>
             </a:fld>
             <a:endParaRPr lang="en-US"/>
           </a:p>
@@ -3927,7 +3929,7 @@
           <a:p>
             <a:fld id="{E306D676-E6CE-49ED-B2E4-C47FD7365D30}" type="datetimeFigureOut">
               <a:rPr lang="en-US" smtClean="0"/>
-              <a:t>6/25/18</a:t>
+              <a:t>6/26/18</a:t>
             </a:fld>
             <a:endParaRPr lang="en-US"/>
           </a:p>
@@ -4646,7 +4648,7 @@
             <a:fld id="{E306D676-E6CE-49ED-B2E4-C47FD7365D30}" type="datetimeFigureOut">
               <a:rPr lang="en-US" smtClean="0"/>
               <a:pPr/>
-              <a:t>6/25/18</a:t>
+              <a:t>6/26/18</a:t>
             </a:fld>
             <a:endParaRPr lang="en-US"/>
           </a:p>
@@ -7777,15 +7779,7 @@
                   <a:srgbClr val="FFFF00"/>
                 </a:solidFill>
               </a:rPr>
-              <a:t>1</a:t>
-            </a:r>
-            <a:r>
-              <a:rPr lang="en-US" sz="2500" dirty="0" smtClean="0">
-                <a:solidFill>
-                  <a:srgbClr val="FFFF00"/>
-                </a:solidFill>
-              </a:rPr>
-              <a:t>. </a:t>
+              <a:t>1. </a:t>
             </a:r>
             <a:r>
               <a:rPr lang="en-US" sz="2500" dirty="0" err="1" smtClean="0">
@@ -7840,23 +7834,7 @@
                   <a:srgbClr val="FFFF00"/>
                 </a:solidFill>
               </a:rPr>
-              <a:t>2. Sử dụng export và </a:t>
-            </a:r>
-            <a:r>
-              <a:rPr lang="vi-VN" sz="2500" smtClean="0">
-                <a:solidFill>
-                  <a:srgbClr val="FFFF00"/>
-                </a:solidFill>
-              </a:rPr>
-              <a:t>export default(chỉ dùng cho class và function) </a:t>
-            </a:r>
-            <a:r>
-              <a:rPr lang="vi-VN" sz="2500" dirty="0" smtClean="0">
-                <a:solidFill>
-                  <a:srgbClr val="FFFF00"/>
-                </a:solidFill>
-              </a:rPr>
-              <a:t>để thấy sự khác nhau.</a:t>
+              <a:t>2. Sử dụng export và export default(chỉ dùng cho class và function) để thấy sự khác nhau.</a:t>
             </a:r>
           </a:p>
           <a:p>
@@ -7953,6 +7931,743 @@
 </file>
 
 <file path=ppt/slides/slide6.xml><?xml version="1.0" encoding="utf-8"?>
+<p:sld xmlns:a="http://schemas.openxmlformats.org/drawingml/2006/main" xmlns:r="http://schemas.openxmlformats.org/officeDocument/2006/relationships" xmlns:p="http://schemas.openxmlformats.org/presentationml/2006/main">
+  <p:cSld>
+    <p:spTree>
+      <p:nvGrpSpPr>
+        <p:cNvPr id="1" name=""/>
+        <p:cNvGrpSpPr/>
+        <p:nvPr/>
+      </p:nvGrpSpPr>
+      <p:grpSpPr>
+        <a:xfrm>
+          <a:off x="0" y="0"/>
+          <a:ext cx="0" cy="0"/>
+          <a:chOff x="0" y="0"/>
+          <a:chExt cx="0" cy="0"/>
+        </a:xfrm>
+      </p:grpSpPr>
+      <p:sp>
+        <p:nvSpPr>
+          <p:cNvPr id="2" name="Title 1"/>
+          <p:cNvSpPr>
+            <a:spLocks noGrp="1"/>
+          </p:cNvSpPr>
+          <p:nvPr>
+            <p:ph type="title"/>
+          </p:nvPr>
+        </p:nvSpPr>
+        <p:spPr/>
+        <p:txBody>
+          <a:bodyPr>
+            <a:normAutofit fontScale="90000"/>
+          </a:bodyPr>
+          <a:lstStyle/>
+          <a:p>
+            <a:r>
+              <a:rPr lang="en-US" dirty="0" err="1" smtClean="0"/>
+              <a:t>Mảng</a:t>
+            </a:r>
+            <a:r>
+              <a:rPr lang="en-US" dirty="0" smtClean="0"/>
+              <a:t> </a:t>
+            </a:r>
+            <a:r>
+              <a:rPr lang="en-US" dirty="0" err="1" smtClean="0"/>
+              <a:t>các</a:t>
+            </a:r>
+            <a:r>
+              <a:rPr lang="en-US" dirty="0" smtClean="0"/>
+              <a:t> object(</a:t>
+            </a:r>
+            <a:r>
+              <a:rPr lang="en-US" dirty="0" err="1" smtClean="0"/>
+              <a:t>đối</a:t>
+            </a:r>
+            <a:r>
+              <a:rPr lang="en-US" dirty="0" smtClean="0"/>
+              <a:t> </a:t>
+            </a:r>
+            <a:r>
+              <a:rPr lang="en-US" dirty="0" err="1" smtClean="0"/>
+              <a:t>tượng</a:t>
+            </a:r>
+            <a:r>
+              <a:rPr lang="en-US" dirty="0" smtClean="0"/>
+              <a:t>)</a:t>
+            </a:r>
+            <a:endParaRPr lang="en-US" dirty="0"/>
+          </a:p>
+        </p:txBody>
+      </p:sp>
+      <p:sp>
+        <p:nvSpPr>
+          <p:cNvPr id="3" name="Rectangle 2"/>
+          <p:cNvSpPr/>
+          <p:nvPr/>
+        </p:nvSpPr>
+        <p:spPr>
+          <a:xfrm>
+            <a:off x="228600" y="742950"/>
+            <a:ext cx="8763000" cy="577081"/>
+          </a:xfrm>
+          <a:prstGeom prst="rect">
+            <a:avLst/>
+          </a:prstGeom>
+        </p:spPr>
+        <p:txBody>
+          <a:bodyPr wrap="square">
+            <a:spAutoFit/>
+          </a:bodyPr>
+          <a:lstStyle/>
+          <a:p>
+            <a:pPr>
+              <a:lnSpc>
+                <a:spcPct val="150000"/>
+              </a:lnSpc>
+            </a:pPr>
+            <a:r>
+              <a:rPr lang="is-IS" sz="2100" dirty="0" smtClean="0">
+                <a:solidFill>
+                  <a:srgbClr val="92D050"/>
+                </a:solidFill>
+                <a:latin typeface="Verdana" charset="0"/>
+              </a:rPr>
+              <a:t>Định nghĩa một mảng các objects</a:t>
+            </a:r>
+            <a:endParaRPr lang="en-US" sz="2100" dirty="0">
+              <a:solidFill>
+                <a:srgbClr val="92D050"/>
+              </a:solidFill>
+            </a:endParaRPr>
+          </a:p>
+        </p:txBody>
+      </p:sp>
+      <p:pic>
+        <p:nvPicPr>
+          <p:cNvPr id="12" name="Picture 11"/>
+          <p:cNvPicPr>
+            <a:picLocks noChangeAspect="1"/>
+          </p:cNvPicPr>
+          <p:nvPr/>
+        </p:nvPicPr>
+        <p:blipFill rotWithShape="1">
+          <a:blip r:embed="rId2">
+            <a:extLst>
+              <a:ext uri="{28A0092B-C50C-407E-A947-70E740481C1C}">
+                <a14:useLocalDpi xmlns:a14="http://schemas.microsoft.com/office/drawing/2010/main" val="0"/>
+              </a:ext>
+            </a:extLst>
+          </a:blip>
+          <a:srcRect l="833"/>
+          <a:stretch/>
+        </p:blipFill>
+        <p:spPr>
+          <a:xfrm>
+            <a:off x="255104" y="1291042"/>
+            <a:ext cx="5792061" cy="2892764"/>
+          </a:xfrm>
+          <a:prstGeom prst="rect">
+            <a:avLst/>
+          </a:prstGeom>
+        </p:spPr>
+      </p:pic>
+      <p:pic>
+        <p:nvPicPr>
+          <p:cNvPr id="13" name="Picture 12"/>
+          <p:cNvPicPr>
+            <a:picLocks noChangeAspect="1"/>
+          </p:cNvPicPr>
+          <p:nvPr/>
+        </p:nvPicPr>
+        <p:blipFill>
+          <a:blip r:embed="rId3">
+            <a:extLst>
+              <a:ext uri="{28A0092B-C50C-407E-A947-70E740481C1C}">
+                <a14:useLocalDpi xmlns:a14="http://schemas.microsoft.com/office/drawing/2010/main" val="0"/>
+              </a:ext>
+            </a:extLst>
+          </a:blip>
+          <a:stretch>
+            <a:fillRect/>
+          </a:stretch>
+        </p:blipFill>
+        <p:spPr>
+          <a:xfrm>
+            <a:off x="255104" y="4400550"/>
+            <a:ext cx="2971800" cy="523204"/>
+          </a:xfrm>
+          <a:prstGeom prst="rect">
+            <a:avLst/>
+          </a:prstGeom>
+        </p:spPr>
+      </p:pic>
+      <p:sp>
+        <p:nvSpPr>
+          <p:cNvPr id="14" name="Rectangle 13"/>
+          <p:cNvSpPr/>
+          <p:nvPr/>
+        </p:nvSpPr>
+        <p:spPr>
+          <a:xfrm>
+            <a:off x="6221498" y="1320031"/>
+            <a:ext cx="2575891" cy="577081"/>
+          </a:xfrm>
+          <a:prstGeom prst="rect">
+            <a:avLst/>
+          </a:prstGeom>
+        </p:spPr>
+        <p:txBody>
+          <a:bodyPr wrap="square">
+            <a:spAutoFit/>
+          </a:bodyPr>
+          <a:lstStyle/>
+          <a:p>
+            <a:pPr>
+              <a:lnSpc>
+                <a:spcPct val="150000"/>
+              </a:lnSpc>
+            </a:pPr>
+            <a:r>
+              <a:rPr lang="en-US" sz="2100" dirty="0" smtClean="0">
+                <a:solidFill>
+                  <a:srgbClr val="92D050"/>
+                </a:solidFill>
+                <a:latin typeface="Arial" charset="0"/>
+              </a:rPr>
+              <a:t>Module </a:t>
+            </a:r>
+            <a:r>
+              <a:rPr lang="is-IS" sz="2100" dirty="0" smtClean="0">
+                <a:solidFill>
+                  <a:schemeClr val="bg1"/>
+                </a:solidFill>
+                <a:latin typeface="Verdana" charset="0"/>
+              </a:rPr>
+              <a:t>data.js</a:t>
+            </a:r>
+            <a:endParaRPr lang="en-US" sz="2100" dirty="0">
+              <a:solidFill>
+                <a:srgbClr val="92D050"/>
+              </a:solidFill>
+            </a:endParaRPr>
+          </a:p>
+        </p:txBody>
+      </p:sp>
+      <p:sp>
+        <p:nvSpPr>
+          <p:cNvPr id="15" name="Rectangle 14"/>
+          <p:cNvSpPr/>
+          <p:nvPr/>
+        </p:nvSpPr>
+        <p:spPr>
+          <a:xfrm>
+            <a:off x="6221497" y="4371561"/>
+            <a:ext cx="2575891" cy="577081"/>
+          </a:xfrm>
+          <a:prstGeom prst="rect">
+            <a:avLst/>
+          </a:prstGeom>
+        </p:spPr>
+        <p:txBody>
+          <a:bodyPr wrap="square">
+            <a:spAutoFit/>
+          </a:bodyPr>
+          <a:lstStyle/>
+          <a:p>
+            <a:pPr>
+              <a:lnSpc>
+                <a:spcPct val="150000"/>
+              </a:lnSpc>
+            </a:pPr>
+            <a:r>
+              <a:rPr lang="en-US" sz="2100" dirty="0" smtClean="0">
+                <a:solidFill>
+                  <a:srgbClr val="92D050"/>
+                </a:solidFill>
+                <a:latin typeface="Arial" charset="0"/>
+              </a:rPr>
+              <a:t>Module</a:t>
+            </a:r>
+            <a:r>
+              <a:rPr lang="is-IS" sz="2100" dirty="0">
+                <a:solidFill>
+                  <a:schemeClr val="bg1"/>
+                </a:solidFill>
+                <a:latin typeface="Verdana" charset="0"/>
+              </a:rPr>
+              <a:t> </a:t>
+            </a:r>
+            <a:r>
+              <a:rPr lang="is-IS" sz="2100" dirty="0" smtClean="0">
+                <a:solidFill>
+                  <a:schemeClr val="bg1"/>
+                </a:solidFill>
+                <a:latin typeface="Verdana" charset="0"/>
+              </a:rPr>
+              <a:t>server.js</a:t>
+            </a:r>
+            <a:endParaRPr lang="en-US" sz="2100" dirty="0">
+              <a:solidFill>
+                <a:srgbClr val="92D050"/>
+              </a:solidFill>
+            </a:endParaRPr>
+          </a:p>
+        </p:txBody>
+      </p:sp>
+    </p:spTree>
+    <p:extLst>
+      <p:ext uri="{BB962C8B-B14F-4D97-AF65-F5344CB8AC3E}">
+        <p14:creationId xmlns:p14="http://schemas.microsoft.com/office/powerpoint/2010/main" val="1234364744"/>
+      </p:ext>
+    </p:extLst>
+  </p:cSld>
+  <p:clrMapOvr>
+    <a:masterClrMapping/>
+  </p:clrMapOvr>
+  <p:timing>
+    <p:tnLst>
+      <p:par>
+        <p:cTn id="1" dur="indefinite" restart="never" nodeType="tmRoot"/>
+      </p:par>
+    </p:tnLst>
+  </p:timing>
+</p:sld>
+</file>
+
+<file path=ppt/slides/slide7.xml><?xml version="1.0" encoding="utf-8"?>
+<p:sld xmlns:a="http://schemas.openxmlformats.org/drawingml/2006/main" xmlns:r="http://schemas.openxmlformats.org/officeDocument/2006/relationships" xmlns:p="http://schemas.openxmlformats.org/presentationml/2006/main">
+  <p:cSld>
+    <p:spTree>
+      <p:nvGrpSpPr>
+        <p:cNvPr id="1" name=""/>
+        <p:cNvGrpSpPr/>
+        <p:nvPr/>
+      </p:nvGrpSpPr>
+      <p:grpSpPr>
+        <a:xfrm>
+          <a:off x="0" y="0"/>
+          <a:ext cx="0" cy="0"/>
+          <a:chOff x="0" y="0"/>
+          <a:chExt cx="0" cy="0"/>
+        </a:xfrm>
+      </p:grpSpPr>
+      <p:sp>
+        <p:nvSpPr>
+          <p:cNvPr id="2" name="Title 1"/>
+          <p:cNvSpPr>
+            <a:spLocks noGrp="1"/>
+          </p:cNvSpPr>
+          <p:nvPr>
+            <p:ph type="title"/>
+          </p:nvPr>
+        </p:nvSpPr>
+        <p:spPr/>
+        <p:txBody>
+          <a:bodyPr>
+            <a:normAutofit fontScale="90000"/>
+          </a:bodyPr>
+          <a:lstStyle/>
+          <a:p>
+            <a:r>
+              <a:rPr lang="en-US" dirty="0" err="1" smtClean="0"/>
+              <a:t>Mảng</a:t>
+            </a:r>
+            <a:r>
+              <a:rPr lang="en-US" dirty="0" smtClean="0"/>
+              <a:t> </a:t>
+            </a:r>
+            <a:r>
+              <a:rPr lang="en-US" dirty="0" err="1" smtClean="0"/>
+              <a:t>các</a:t>
+            </a:r>
+            <a:r>
+              <a:rPr lang="en-US" dirty="0" smtClean="0"/>
+              <a:t> object(</a:t>
+            </a:r>
+            <a:r>
+              <a:rPr lang="en-US" dirty="0" err="1" smtClean="0"/>
+              <a:t>đối</a:t>
+            </a:r>
+            <a:r>
+              <a:rPr lang="en-US" dirty="0" smtClean="0"/>
+              <a:t> </a:t>
+            </a:r>
+            <a:r>
+              <a:rPr lang="en-US" dirty="0" err="1" smtClean="0"/>
+              <a:t>tượng</a:t>
+            </a:r>
+            <a:r>
+              <a:rPr lang="en-US" dirty="0" smtClean="0"/>
+              <a:t>)</a:t>
+            </a:r>
+            <a:endParaRPr lang="en-US" dirty="0"/>
+          </a:p>
+        </p:txBody>
+      </p:sp>
+      <p:sp>
+        <p:nvSpPr>
+          <p:cNvPr id="3" name="Rectangle 2"/>
+          <p:cNvSpPr/>
+          <p:nvPr/>
+        </p:nvSpPr>
+        <p:spPr>
+          <a:xfrm>
+            <a:off x="228600" y="799095"/>
+            <a:ext cx="8763000" cy="577081"/>
+          </a:xfrm>
+          <a:prstGeom prst="rect">
+            <a:avLst/>
+          </a:prstGeom>
+        </p:spPr>
+        <p:txBody>
+          <a:bodyPr wrap="square">
+            <a:spAutoFit/>
+          </a:bodyPr>
+          <a:lstStyle/>
+          <a:p>
+            <a:pPr>
+              <a:lnSpc>
+                <a:spcPct val="150000"/>
+              </a:lnSpc>
+            </a:pPr>
+            <a:r>
+              <a:rPr lang="is-IS" sz="2100" dirty="0" smtClean="0">
+                <a:solidFill>
+                  <a:srgbClr val="92D050"/>
+                </a:solidFill>
+                <a:latin typeface="Verdana" charset="0"/>
+              </a:rPr>
+              <a:t>Thêm 1 object mới(push hoặc concat)</a:t>
+            </a:r>
+            <a:endParaRPr lang="en-US" sz="2100" dirty="0">
+              <a:solidFill>
+                <a:srgbClr val="92D050"/>
+              </a:solidFill>
+            </a:endParaRPr>
+          </a:p>
+        </p:txBody>
+      </p:sp>
+      <p:pic>
+        <p:nvPicPr>
+          <p:cNvPr id="4" name="Picture 3"/>
+          <p:cNvPicPr>
+            <a:picLocks noChangeAspect="1"/>
+          </p:cNvPicPr>
+          <p:nvPr/>
+        </p:nvPicPr>
+        <p:blipFill rotWithShape="1">
+          <a:blip r:embed="rId2">
+            <a:extLst>
+              <a:ext uri="{28A0092B-C50C-407E-A947-70E740481C1C}">
+                <a14:useLocalDpi xmlns:a14="http://schemas.microsoft.com/office/drawing/2010/main" val="0"/>
+              </a:ext>
+            </a:extLst>
+          </a:blip>
+          <a:srcRect l="1853"/>
+          <a:stretch/>
+        </p:blipFill>
+        <p:spPr>
+          <a:xfrm>
+            <a:off x="304800" y="1581150"/>
+            <a:ext cx="4114800" cy="1721196"/>
+          </a:xfrm>
+          <a:prstGeom prst="rect">
+            <a:avLst/>
+          </a:prstGeom>
+        </p:spPr>
+      </p:pic>
+      <p:sp>
+        <p:nvSpPr>
+          <p:cNvPr id="9" name="TextBox 8"/>
+          <p:cNvSpPr txBox="1"/>
+          <p:nvPr/>
+        </p:nvSpPr>
+        <p:spPr>
+          <a:xfrm>
+            <a:off x="381000" y="3511461"/>
+            <a:ext cx="4648200" cy="669414"/>
+          </a:xfrm>
+          <a:prstGeom prst="rect">
+            <a:avLst/>
+          </a:prstGeom>
+          <a:noFill/>
+        </p:spPr>
+        <p:txBody>
+          <a:bodyPr wrap="square" rtlCol="0">
+            <a:spAutoFit/>
+          </a:bodyPr>
+          <a:lstStyle/>
+          <a:p>
+            <a:pPr>
+              <a:lnSpc>
+                <a:spcPct val="150000"/>
+              </a:lnSpc>
+            </a:pPr>
+            <a:r>
+              <a:rPr lang="en-US" sz="2500" dirty="0" smtClean="0">
+                <a:solidFill>
+                  <a:srgbClr val="FFFF00"/>
+                </a:solidFill>
+              </a:rPr>
+              <a:t>1. So </a:t>
+            </a:r>
+            <a:r>
+              <a:rPr lang="en-US" sz="2500" dirty="0" err="1" smtClean="0">
+                <a:solidFill>
+                  <a:srgbClr val="FFFF00"/>
+                </a:solidFill>
+              </a:rPr>
+              <a:t>sánh</a:t>
+            </a:r>
+            <a:r>
+              <a:rPr lang="en-US" sz="2500" dirty="0" smtClean="0">
+                <a:solidFill>
+                  <a:srgbClr val="FFFF00"/>
+                </a:solidFill>
+              </a:rPr>
+              <a:t> </a:t>
+            </a:r>
+            <a:r>
+              <a:rPr lang="en-US" sz="2500" dirty="0" err="1" smtClean="0">
+                <a:solidFill>
+                  <a:srgbClr val="FFFF00"/>
+                </a:solidFill>
+              </a:rPr>
+              <a:t>giữa</a:t>
+            </a:r>
+            <a:r>
+              <a:rPr lang="en-US" sz="2500" dirty="0" smtClean="0">
+                <a:solidFill>
+                  <a:srgbClr val="FFFF00"/>
+                </a:solidFill>
+              </a:rPr>
+              <a:t> push </a:t>
+            </a:r>
+            <a:r>
+              <a:rPr lang="en-US" sz="2500" dirty="0" err="1" smtClean="0">
+                <a:solidFill>
+                  <a:srgbClr val="FFFF00"/>
+                </a:solidFill>
+              </a:rPr>
+              <a:t>và</a:t>
+            </a:r>
+            <a:r>
+              <a:rPr lang="en-US" sz="2500" dirty="0" smtClean="0">
+                <a:solidFill>
+                  <a:srgbClr val="FFFF00"/>
+                </a:solidFill>
+              </a:rPr>
+              <a:t> </a:t>
+            </a:r>
+            <a:r>
+              <a:rPr lang="en-US" sz="2500" dirty="0" err="1" smtClean="0">
+                <a:solidFill>
+                  <a:srgbClr val="FFFF00"/>
+                </a:solidFill>
+              </a:rPr>
+              <a:t>concat</a:t>
+            </a:r>
+            <a:r>
+              <a:rPr lang="en-US" sz="2500" dirty="0" smtClean="0">
+                <a:solidFill>
+                  <a:srgbClr val="FFFF00"/>
+                </a:solidFill>
+              </a:rPr>
+              <a:t> ?</a:t>
+            </a:r>
+            <a:endParaRPr lang="en-US" sz="2500" dirty="0" smtClean="0">
+              <a:solidFill>
+                <a:srgbClr val="FFFF00"/>
+              </a:solidFill>
+            </a:endParaRPr>
+          </a:p>
+        </p:txBody>
+      </p:sp>
+      <p:sp>
+        <p:nvSpPr>
+          <p:cNvPr id="10" name="TextBox 9"/>
+          <p:cNvSpPr txBox="1"/>
+          <p:nvPr/>
+        </p:nvSpPr>
+        <p:spPr>
+          <a:xfrm>
+            <a:off x="381000" y="4248150"/>
+            <a:ext cx="7315200" cy="669414"/>
+          </a:xfrm>
+          <a:prstGeom prst="rect">
+            <a:avLst/>
+          </a:prstGeom>
+          <a:noFill/>
+        </p:spPr>
+        <p:txBody>
+          <a:bodyPr wrap="square" rtlCol="0">
+            <a:spAutoFit/>
+          </a:bodyPr>
+          <a:lstStyle/>
+          <a:p>
+            <a:pPr>
+              <a:lnSpc>
+                <a:spcPct val="150000"/>
+              </a:lnSpc>
+            </a:pPr>
+            <a:r>
+              <a:rPr lang="en-US" sz="2500" dirty="0" smtClean="0">
+                <a:solidFill>
+                  <a:srgbClr val="FFFF00"/>
+                </a:solidFill>
+              </a:rPr>
+              <a:t>2. </a:t>
+            </a:r>
+            <a:r>
+              <a:rPr lang="en-US" sz="2500" dirty="0" err="1" smtClean="0">
+                <a:solidFill>
+                  <a:srgbClr val="FFFF00"/>
+                </a:solidFill>
+              </a:rPr>
+              <a:t>Có</a:t>
+            </a:r>
+            <a:r>
+              <a:rPr lang="en-US" sz="2500" dirty="0" smtClean="0">
+                <a:solidFill>
+                  <a:srgbClr val="FFFF00"/>
+                </a:solidFill>
+              </a:rPr>
+              <a:t> </a:t>
+            </a:r>
+            <a:r>
+              <a:rPr lang="en-US" sz="2500" dirty="0" err="1" smtClean="0">
+                <a:solidFill>
+                  <a:srgbClr val="FFFF00"/>
+                </a:solidFill>
+              </a:rPr>
+              <a:t>thể</a:t>
+            </a:r>
+            <a:r>
+              <a:rPr lang="en-US" sz="2500" dirty="0" smtClean="0">
+                <a:solidFill>
+                  <a:srgbClr val="FFFF00"/>
+                </a:solidFill>
+              </a:rPr>
+              <a:t> </a:t>
+            </a:r>
+            <a:r>
+              <a:rPr lang="en-US" sz="2500" dirty="0" err="1" smtClean="0">
+                <a:solidFill>
+                  <a:srgbClr val="FFFF00"/>
+                </a:solidFill>
+              </a:rPr>
+              <a:t>thêm</a:t>
+            </a:r>
+            <a:r>
+              <a:rPr lang="en-US" sz="2500" dirty="0" smtClean="0">
+                <a:solidFill>
+                  <a:srgbClr val="FFFF00"/>
+                </a:solidFill>
+              </a:rPr>
+              <a:t> 1 </a:t>
+            </a:r>
+            <a:r>
+              <a:rPr lang="en-US" sz="2500" dirty="0" err="1" smtClean="0">
+                <a:solidFill>
+                  <a:srgbClr val="FFFF00"/>
+                </a:solidFill>
+              </a:rPr>
+              <a:t>trường</a:t>
+            </a:r>
+            <a:r>
+              <a:rPr lang="en-US" sz="2500" dirty="0" smtClean="0">
+                <a:solidFill>
+                  <a:srgbClr val="FFFF00"/>
+                </a:solidFill>
+              </a:rPr>
+              <a:t> </a:t>
+            </a:r>
+            <a:r>
+              <a:rPr lang="en-US" sz="2500" dirty="0" err="1" smtClean="0">
+                <a:solidFill>
+                  <a:srgbClr val="FFFF00"/>
+                </a:solidFill>
+              </a:rPr>
+              <a:t>khác</a:t>
+            </a:r>
+            <a:r>
+              <a:rPr lang="en-US" sz="2500" dirty="0" smtClean="0">
+                <a:solidFill>
+                  <a:srgbClr val="FFFF00"/>
+                </a:solidFill>
+              </a:rPr>
+              <a:t> </a:t>
+            </a:r>
+            <a:r>
+              <a:rPr lang="en-US" sz="2500" dirty="0" err="1" smtClean="0">
+                <a:solidFill>
+                  <a:srgbClr val="FFFF00"/>
+                </a:solidFill>
+              </a:rPr>
+              <a:t>vào</a:t>
+            </a:r>
+            <a:r>
+              <a:rPr lang="en-US" sz="2500" dirty="0" smtClean="0">
+                <a:solidFill>
+                  <a:srgbClr val="FFFF00"/>
+                </a:solidFill>
+              </a:rPr>
+              <a:t> object </a:t>
+            </a:r>
+            <a:r>
+              <a:rPr lang="en-US" sz="2500" dirty="0" err="1" smtClean="0">
+                <a:solidFill>
+                  <a:srgbClr val="FFFF00"/>
+                </a:solidFill>
+              </a:rPr>
+              <a:t>mới</a:t>
+            </a:r>
+            <a:r>
+              <a:rPr lang="en-US" sz="2500" dirty="0" smtClean="0">
+                <a:solidFill>
+                  <a:srgbClr val="FFFF00"/>
+                </a:solidFill>
+              </a:rPr>
+              <a:t> </a:t>
+            </a:r>
+            <a:r>
+              <a:rPr lang="en-US" sz="2500" smtClean="0">
+                <a:solidFill>
+                  <a:srgbClr val="FFFF00"/>
+                </a:solidFill>
+              </a:rPr>
+              <a:t>?. </a:t>
+            </a:r>
+            <a:endParaRPr lang="en-US" sz="2500" dirty="0" smtClean="0">
+              <a:solidFill>
+                <a:srgbClr val="FFFF00"/>
+              </a:solidFill>
+            </a:endParaRPr>
+          </a:p>
+        </p:txBody>
+      </p:sp>
+    </p:spTree>
+    <p:extLst>
+      <p:ext uri="{BB962C8B-B14F-4D97-AF65-F5344CB8AC3E}">
+        <p14:creationId xmlns:p14="http://schemas.microsoft.com/office/powerpoint/2010/main" val="1804600205"/>
+      </p:ext>
+    </p:extLst>
+  </p:cSld>
+  <p:clrMapOvr>
+    <a:masterClrMapping/>
+  </p:clrMapOvr>
+  <p:timing>
+    <p:tnLst>
+      <p:par>
+        <p:cTn id="1" dur="indefinite" restart="never" nodeType="tmRoot"/>
+      </p:par>
+    </p:tnLst>
+  </p:timing>
+</p:sld>
+</file>
+
+<file path=ppt/slides/slide8.xml><?xml version="1.0" encoding="utf-8"?>
 <p:sld xmlns:a="http://schemas.openxmlformats.org/drawingml/2006/main" xmlns:r="http://schemas.openxmlformats.org/officeDocument/2006/relationships" xmlns:p="http://schemas.openxmlformats.org/presentationml/2006/main" show="0">
   <p:cSld>
     <p:spTree>
